--- a/Final Report.pptx
+++ b/Final Report.pptx
@@ -20476,31 +20476,50 @@
           <a:p>
             <a:r>
               <a:rPr lang="zh-TW" altLang="en-US" dirty="0"/>
-              <a:t>需要花較多時間才能夠達到</a:t>
+              <a:t>比起</a:t>
             </a:r>
             <a:r>
               <a:rPr lang="en-US" altLang="zh-TW" dirty="0"/>
-              <a:t>Pruning</a:t>
+              <a:t>cramming</a:t>
             </a:r>
             <a:r>
               <a:rPr lang="zh-TW" altLang="en-US" dirty="0"/>
-              <a:t>門檻</a:t>
+              <a:t>，更常使用</a:t>
             </a:r>
             <a:r>
               <a:rPr lang="en-US" altLang="zh-TW" dirty="0"/>
-              <a:t>-&gt;</a:t>
+              <a:t>weight-tuning</a:t>
             </a:r>
           </a:p>
           <a:p>
             <a:r>
+              <a:rPr lang="en-US" altLang="zh-TW" dirty="0"/>
+              <a:t>-&gt; </a:t>
+            </a:r>
+            <a:r>
               <a:rPr lang="zh-TW" altLang="en-US" dirty="0"/>
-              <a:t>沒有頻繁的去</a:t>
+              <a:t>也許在</a:t>
             </a:r>
             <a:r>
               <a:rPr lang="en-US" altLang="zh-TW" dirty="0"/>
-              <a:t>Pruning</a:t>
+              <a:t>cramming</a:t>
             </a:r>
-            <a:endParaRPr lang="zh-TW" altLang="en-US" dirty="0"/>
+            <a:r>
+              <a:rPr lang="zh-TW" altLang="en-US" dirty="0"/>
+              <a:t>和</a:t>
+            </a:r>
+            <a:r>
+              <a:rPr lang="en-US" altLang="zh-TW" dirty="0"/>
+              <a:t>pruning</a:t>
+            </a:r>
+            <a:r>
+              <a:rPr lang="zh-TW" altLang="en-US" dirty="0"/>
+              <a:t>時更加精確</a:t>
+            </a:r>
+            <a:r>
+              <a:rPr lang="en-US" altLang="zh-TW" dirty="0"/>
+              <a:t>?</a:t>
+            </a:r>
           </a:p>
         </p:txBody>
       </p:sp>
